--- a/Reports/09-13 - JE.pptx
+++ b/Reports/09-13 - JE.pptx
@@ -5,13 +5,14 @@
     <p:sldMasterId id="2147483840" r:id="rId1"/>
   </p:sldMasterIdLst>
   <p:notesMasterIdLst>
-    <p:notesMasterId r:id="rId6"/>
+    <p:notesMasterId r:id="rId7"/>
   </p:notesMasterIdLst>
   <p:sldIdLst>
     <p:sldId id="298" r:id="rId2"/>
     <p:sldId id="299" r:id="rId3"/>
     <p:sldId id="300" r:id="rId4"/>
-    <p:sldId id="301" r:id="rId5"/>
+    <p:sldId id="302" r:id="rId5"/>
+    <p:sldId id="301" r:id="rId6"/>
   </p:sldIdLst>
   <p:sldSz cx="9144000" cy="6858000" type="screen4x3"/>
   <p:notesSz cx="6858000" cy="9144000"/>
@@ -12589,7 +12590,7 @@
           <a:p>
             <a:r>
               <a:rPr lang="en-US" dirty="0" smtClean="0"/>
-              <a:t>Import GmailSender.java</a:t>
+              <a:t>Import GMailSender.java</a:t>
             </a:r>
           </a:p>
           <a:p>
@@ -12754,7 +12755,7 @@
           <a:p>
             <a:r>
               <a:rPr lang="en-US" dirty="0" smtClean="0"/>
-              <a:t>Additional</a:t>
+              <a:t>Functions</a:t>
             </a:r>
             <a:endParaRPr lang="en-US" dirty="0"/>
           </a:p>
@@ -12776,10 +12777,111 @@
           <a:lstStyle/>
           <a:p>
             <a:r>
-              <a:rPr lang="en-US" dirty="0" smtClean="0"/>
-              <a:t>File explorer</a:t>
+              <a:rPr lang="en-US" sz="2400" dirty="0" err="1" smtClean="0"/>
+              <a:t>GMailSender</a:t>
             </a:r>
-            <a:endParaRPr lang="en-US" dirty="0"/>
+            <a:r>
+              <a:rPr lang="en-US" sz="2400" dirty="0"/>
+              <a:t> </a:t>
+            </a:r>
+            <a:r>
+              <a:rPr lang="en-US" sz="2400" dirty="0" smtClean="0"/>
+              <a:t>(sender address,  sender 			password)</a:t>
+            </a:r>
+          </a:p>
+          <a:p>
+            <a:pPr lvl="1"/>
+            <a:r>
+              <a:rPr lang="en-US" sz="2000" dirty="0" err="1" smtClean="0"/>
+              <a:t>GMailSender.sendMail</a:t>
+            </a:r>
+            <a:r>
+              <a:rPr lang="en-US" sz="2000" dirty="0" smtClean="0"/>
+              <a:t>(</a:t>
+            </a:r>
+          </a:p>
+          <a:p>
+            <a:pPr marL="457200" lvl="1" indent="0">
+              <a:buNone/>
+            </a:pPr>
+            <a:r>
+              <a:rPr lang="en-US" sz="2000" dirty="0"/>
+              <a:t>	</a:t>
+            </a:r>
+            <a:r>
+              <a:rPr lang="en-US" sz="2000" dirty="0" smtClean="0"/>
+              <a:t>subject,</a:t>
+            </a:r>
+          </a:p>
+          <a:p>
+            <a:pPr marL="457200" lvl="1" indent="0">
+              <a:buNone/>
+            </a:pPr>
+            <a:r>
+              <a:rPr lang="en-US" sz="2000" dirty="0"/>
+              <a:t>	</a:t>
+            </a:r>
+            <a:r>
+              <a:rPr lang="en-US" sz="2000" dirty="0" smtClean="0"/>
+              <a:t>body,</a:t>
+            </a:r>
+          </a:p>
+          <a:p>
+            <a:pPr marL="457200" lvl="1" indent="0">
+              <a:buNone/>
+            </a:pPr>
+            <a:r>
+              <a:rPr lang="en-US" sz="2000" dirty="0"/>
+              <a:t>	</a:t>
+            </a:r>
+            <a:r>
+              <a:rPr lang="en-US" sz="2000" dirty="0" smtClean="0"/>
+              <a:t>sender address,</a:t>
+            </a:r>
+          </a:p>
+          <a:p>
+            <a:pPr marL="457200" lvl="1" indent="0">
+              <a:buNone/>
+            </a:pPr>
+            <a:r>
+              <a:rPr lang="en-US" sz="2000" dirty="0"/>
+              <a:t>	</a:t>
+            </a:r>
+            <a:r>
+              <a:rPr lang="en-US" sz="2000" dirty="0" err="1" smtClean="0"/>
+              <a:t>recepient</a:t>
+            </a:r>
+            <a:r>
+              <a:rPr lang="en-US" sz="2000" dirty="0" smtClean="0"/>
+              <a:t> address,</a:t>
+            </a:r>
+          </a:p>
+          <a:p>
+            <a:pPr marL="457200" lvl="1" indent="0">
+              <a:buNone/>
+            </a:pPr>
+            <a:r>
+              <a:rPr lang="en-US" sz="2000" dirty="0"/>
+              <a:t>	</a:t>
+            </a:r>
+            <a:r>
+              <a:rPr lang="en-US" sz="2000" dirty="0" smtClean="0"/>
+              <a:t>[file attachment]</a:t>
+            </a:r>
+          </a:p>
+          <a:p>
+            <a:pPr marL="457200" lvl="1" indent="0">
+              <a:buNone/>
+            </a:pPr>
+            <a:r>
+              <a:rPr lang="en-US" sz="2000" dirty="0"/>
+              <a:t>	</a:t>
+            </a:r>
+            <a:r>
+              <a:rPr lang="en-US" sz="2000" dirty="0" smtClean="0"/>
+              <a:t>)</a:t>
+            </a:r>
+            <a:endParaRPr lang="en-US" sz="2000" dirty="0"/>
           </a:p>
         </p:txBody>
       </p:sp>
@@ -12801,6 +12903,105 @@
             <a:fld id="{68F3C7D6-AE10-41AF-B09F-C8B952EC9EA4}" type="slidenum">
               <a:rPr lang="en-US" smtClean="0"/>
               <a:t>4</a:t>
+            </a:fld>
+            <a:endParaRPr lang="en-US"/>
+          </a:p>
+        </p:txBody>
+      </p:sp>
+    </p:spTree>
+    <p:extLst>
+      <p:ext uri="{BB962C8B-B14F-4D97-AF65-F5344CB8AC3E}">
+        <p14:creationId xmlns:p14="http://schemas.microsoft.com/office/powerpoint/2010/main" val="193484889"/>
+      </p:ext>
+    </p:extLst>
+  </p:cSld>
+  <p:clrMapOvr>
+    <a:masterClrMapping/>
+  </p:clrMapOvr>
+</p:sld>
+</file>
+
+<file path=ppt/slides/slide5.xml><?xml version="1.0" encoding="utf-8"?>
+<p:sld xmlns:a="http://schemas.openxmlformats.org/drawingml/2006/main" xmlns:r="http://schemas.openxmlformats.org/officeDocument/2006/relationships" xmlns:p="http://schemas.openxmlformats.org/presentationml/2006/main">
+  <p:cSld>
+    <p:spTree>
+      <p:nvGrpSpPr>
+        <p:cNvPr id="1" name=""/>
+        <p:cNvGrpSpPr/>
+        <p:nvPr/>
+      </p:nvGrpSpPr>
+      <p:grpSpPr>
+        <a:xfrm>
+          <a:off x="0" y="0"/>
+          <a:ext cx="0" cy="0"/>
+          <a:chOff x="0" y="0"/>
+          <a:chExt cx="0" cy="0"/>
+        </a:xfrm>
+      </p:grpSpPr>
+      <p:sp>
+        <p:nvSpPr>
+          <p:cNvPr id="2" name="Title 1"/>
+          <p:cNvSpPr>
+            <a:spLocks noGrp="1"/>
+          </p:cNvSpPr>
+          <p:nvPr>
+            <p:ph type="title"/>
+          </p:nvPr>
+        </p:nvSpPr>
+        <p:spPr/>
+        <p:txBody>
+          <a:bodyPr/>
+          <a:lstStyle/>
+          <a:p>
+            <a:r>
+              <a:rPr lang="en-US" dirty="0" smtClean="0"/>
+              <a:t>Additional</a:t>
+            </a:r>
+            <a:endParaRPr lang="en-US" dirty="0"/>
+          </a:p>
+        </p:txBody>
+      </p:sp>
+      <p:sp>
+        <p:nvSpPr>
+          <p:cNvPr id="3" name="Content Placeholder 2"/>
+          <p:cNvSpPr>
+            <a:spLocks noGrp="1"/>
+          </p:cNvSpPr>
+          <p:nvPr>
+            <p:ph idx="1"/>
+          </p:nvPr>
+        </p:nvSpPr>
+        <p:spPr/>
+        <p:txBody>
+          <a:bodyPr/>
+          <a:lstStyle/>
+          <a:p>
+            <a:r>
+              <a:rPr lang="en-US" dirty="0" smtClean="0"/>
+              <a:t>File explorer</a:t>
+            </a:r>
+            <a:endParaRPr lang="en-US" dirty="0"/>
+          </a:p>
+        </p:txBody>
+      </p:sp>
+      <p:sp>
+        <p:nvSpPr>
+          <p:cNvPr id="4" name="Slide Number Placeholder 3"/>
+          <p:cNvSpPr>
+            <a:spLocks noGrp="1"/>
+          </p:cNvSpPr>
+          <p:nvPr>
+            <p:ph type="sldNum" sz="quarter" idx="11"/>
+          </p:nvPr>
+        </p:nvSpPr>
+        <p:spPr/>
+        <p:txBody>
+          <a:bodyPr/>
+          <a:lstStyle/>
+          <a:p>
+            <a:fld id="{68F3C7D6-AE10-41AF-B09F-C8B952EC9EA4}" type="slidenum">
+              <a:rPr lang="en-US" smtClean="0"/>
+              <a:t>5</a:t>
             </a:fld>
             <a:endParaRPr lang="en-US"/>
           </a:p>
